--- a/5_HTML Func.pptx
+++ b/5_HTML Func.pptx
@@ -5,7 +5,7 @@
     <p:sldMasterId id="2147483648" r:id="rId1"/>
   </p:sldMasterIdLst>
   <p:notesMasterIdLst>
-    <p:notesMasterId r:id="rId36"/>
+    <p:notesMasterId r:id="rId37"/>
   </p:notesMasterIdLst>
   <p:sldIdLst>
     <p:sldId id="256" r:id="rId2"/>
@@ -42,6 +42,7 @@
     <p:sldId id="294" r:id="rId33"/>
     <p:sldId id="295" r:id="rId34"/>
     <p:sldId id="296" r:id="rId35"/>
+    <p:sldId id="336" r:id="rId36"/>
   </p:sldIdLst>
   <p:sldSz cx="12192000" cy="6858000"/>
   <p:notesSz cx="6858000" cy="9144000"/>
@@ -230,7 +231,7 @@
           <a:p>
             <a:fld id="{B5D7434C-48CE-114A-AD66-A0A76C8863DC}" type="datetimeFigureOut">
               <a:rPr lang="en-US" smtClean="0"/>
-              <a:t>1/3/22</a:t>
+              <a:t>1/26/22</a:t>
             </a:fld>
             <a:endParaRPr lang="en-US"/>
           </a:p>
@@ -900,7 +901,7 @@
             <a:fld id="{87DE6118-2437-4B30-8E3C-4D2BE6020583}" type="datetimeFigureOut">
               <a:rPr lang="en-US" dirty="0"/>
               <a:pPr/>
-              <a:t>1/3/22</a:t>
+              <a:t>1/26/22</a:t>
             </a:fld>
             <a:endParaRPr lang="en-US" dirty="0"/>
           </a:p>
@@ -1226,7 +1227,7 @@
           <a:p>
             <a:fld id="{87DE6118-2437-4B30-8E3C-4D2BE6020583}" type="datetimeFigureOut">
               <a:rPr lang="en-US" dirty="0"/>
-              <a:t>1/3/22</a:t>
+              <a:t>1/26/22</a:t>
             </a:fld>
             <a:endParaRPr lang="en-US" dirty="0"/>
           </a:p>
@@ -1401,7 +1402,7 @@
           <a:p>
             <a:fld id="{87DE6118-2437-4B30-8E3C-4D2BE6020583}" type="datetimeFigureOut">
               <a:rPr lang="en-US" dirty="0"/>
-              <a:t>1/3/22</a:t>
+              <a:t>1/26/22</a:t>
             </a:fld>
             <a:endParaRPr lang="en-US" dirty="0"/>
           </a:p>
@@ -1629,7 +1630,7 @@
           <a:p>
             <a:fld id="{1D8BD707-D9CF-40AE-B4C6-C98DA3205C09}" type="datetimeFigureOut">
               <a:rPr lang="en-US"/>
-              <a:t>1/3/22</a:t>
+              <a:t>1/26/22</a:t>
             </a:fld>
             <a:endParaRPr lang="en-US"/>
           </a:p>
@@ -1835,7 +1836,7 @@
           <a:p>
             <a:fld id="{87DE6118-2437-4B30-8E3C-4D2BE6020583}" type="datetimeFigureOut">
               <a:rPr lang="en-US" dirty="0"/>
-              <a:t>1/3/22</a:t>
+              <a:t>1/26/22</a:t>
             </a:fld>
             <a:endParaRPr lang="en-US" dirty="0"/>
           </a:p>
@@ -2118,7 +2119,7 @@
             <a:fld id="{87DE6118-2437-4B30-8E3C-4D2BE6020583}" type="datetimeFigureOut">
               <a:rPr lang="en-US" dirty="0"/>
               <a:pPr/>
-              <a:t>1/3/22</a:t>
+              <a:t>1/26/22</a:t>
             </a:fld>
             <a:endParaRPr lang="en-US" dirty="0"/>
           </a:p>
@@ -2508,7 +2509,7 @@
           <a:p>
             <a:fld id="{87DE6118-2437-4B30-8E3C-4D2BE6020583}" type="datetimeFigureOut">
               <a:rPr lang="en-US" dirty="0"/>
-              <a:t>1/3/22</a:t>
+              <a:t>1/26/22</a:t>
             </a:fld>
             <a:endParaRPr lang="en-US" dirty="0"/>
           </a:p>
@@ -2980,7 +2981,7 @@
           <a:p>
             <a:fld id="{87DE6118-2437-4B30-8E3C-4D2BE6020583}" type="datetimeFigureOut">
               <a:rPr lang="en-US" dirty="0"/>
-              <a:t>1/3/22</a:t>
+              <a:t>1/26/22</a:t>
             </a:fld>
             <a:endParaRPr lang="en-US" dirty="0"/>
           </a:p>
@@ -3093,7 +3094,7 @@
           <a:p>
             <a:fld id="{87DE6118-2437-4B30-8E3C-4D2BE6020583}" type="datetimeFigureOut">
               <a:rPr lang="en-US" dirty="0"/>
-              <a:t>1/3/22</a:t>
+              <a:t>1/26/22</a:t>
             </a:fld>
             <a:endParaRPr lang="en-US" dirty="0"/>
           </a:p>
@@ -3183,7 +3184,7 @@
           <a:p>
             <a:fld id="{87DE6118-2437-4B30-8E3C-4D2BE6020583}" type="datetimeFigureOut">
               <a:rPr lang="en-US" dirty="0"/>
-              <a:t>1/3/22</a:t>
+              <a:t>1/26/22</a:t>
             </a:fld>
             <a:endParaRPr lang="en-US" dirty="0"/>
           </a:p>
@@ -3525,7 +3526,7 @@
             <a:fld id="{87DE6118-2437-4B30-8E3C-4D2BE6020583}" type="datetimeFigureOut">
               <a:rPr lang="en-US" dirty="0"/>
               <a:pPr/>
-              <a:t>1/3/22</a:t>
+              <a:t>1/26/22</a:t>
             </a:fld>
             <a:endParaRPr lang="en-US" dirty="0"/>
           </a:p>
@@ -3910,7 +3911,7 @@
             <a:fld id="{87DE6118-2437-4B30-8E3C-4D2BE6020583}" type="datetimeFigureOut">
               <a:rPr lang="en-US" dirty="0"/>
               <a:pPr/>
-              <a:t>1/3/22</a:t>
+              <a:t>1/26/22</a:t>
             </a:fld>
             <a:endParaRPr lang="en-US" dirty="0"/>
           </a:p>
@@ -4185,7 +4186,7 @@
             <a:fld id="{87DE6118-2437-4B30-8E3C-4D2BE6020583}" type="datetimeFigureOut">
               <a:rPr lang="en-US" dirty="0"/>
               <a:pPr/>
-              <a:t>1/3/22</a:t>
+              <a:t>1/26/22</a:t>
             </a:fld>
             <a:endParaRPr lang="en-US" dirty="0"/>
           </a:p>
@@ -22384,6 +22385,151 @@
         </p:txBody>
       </p:sp>
     </p:spTree>
+  </p:cSld>
+  <p:clrMapOvr>
+    <a:masterClrMapping/>
+  </p:clrMapOvr>
+</p:sld>
+</file>
+
+<file path=ppt/slides/slide35.xml><?xml version="1.0" encoding="utf-8"?>
+<p:sld xmlns:a="http://schemas.openxmlformats.org/drawingml/2006/main" xmlns:r="http://schemas.openxmlformats.org/officeDocument/2006/relationships" xmlns:p="http://schemas.openxmlformats.org/presentationml/2006/main">
+  <p:cSld>
+    <p:spTree>
+      <p:nvGrpSpPr>
+        <p:cNvPr id="1" name=""/>
+        <p:cNvGrpSpPr/>
+        <p:nvPr/>
+      </p:nvGrpSpPr>
+      <p:grpSpPr>
+        <a:xfrm>
+          <a:off x="0" y="0"/>
+          <a:ext cx="0" cy="0"/>
+          <a:chOff x="0" y="0"/>
+          <a:chExt cx="0" cy="0"/>
+        </a:xfrm>
+      </p:grpSpPr>
+      <p:sp>
+        <p:nvSpPr>
+          <p:cNvPr id="2" name="Title 1">
+            <a:extLst>
+              <a:ext uri="{FF2B5EF4-FFF2-40B4-BE49-F238E27FC236}">
+                <a16:creationId xmlns:a16="http://schemas.microsoft.com/office/drawing/2014/main" id="{EAB76CBB-76EC-2843-B130-A9284E75FE66}"/>
+              </a:ext>
+            </a:extLst>
+          </p:cNvPr>
+          <p:cNvSpPr>
+            <a:spLocks noGrp="1"/>
+          </p:cNvSpPr>
+          <p:nvPr>
+            <p:ph type="title"/>
+          </p:nvPr>
+        </p:nvSpPr>
+        <p:spPr/>
+        <p:txBody>
+          <a:bodyPr/>
+          <a:lstStyle/>
+          <a:p>
+            <a:endParaRPr lang="en-US"/>
+          </a:p>
+        </p:txBody>
+      </p:sp>
+      <p:sp>
+        <p:nvSpPr>
+          <p:cNvPr id="3" name="Content Placeholder 2">
+            <a:extLst>
+              <a:ext uri="{FF2B5EF4-FFF2-40B4-BE49-F238E27FC236}">
+                <a16:creationId xmlns:a16="http://schemas.microsoft.com/office/drawing/2014/main" id="{442C547B-CA67-8A4B-BB79-CD3AE23E8111}"/>
+              </a:ext>
+            </a:extLst>
+          </p:cNvPr>
+          <p:cNvSpPr>
+            <a:spLocks noGrp="1"/>
+          </p:cNvSpPr>
+          <p:nvPr>
+            <p:ph idx="1"/>
+          </p:nvPr>
+        </p:nvSpPr>
+        <p:spPr/>
+        <p:txBody>
+          <a:bodyPr/>
+          <a:lstStyle/>
+          <a:p>
+            <a:endParaRPr lang="en-US"/>
+          </a:p>
+        </p:txBody>
+      </p:sp>
+      <p:sp>
+        <p:nvSpPr>
+          <p:cNvPr id="4" name="Rectangle 3">
+            <a:extLst>
+              <a:ext uri="{FF2B5EF4-FFF2-40B4-BE49-F238E27FC236}">
+                <a16:creationId xmlns:a16="http://schemas.microsoft.com/office/drawing/2014/main" id="{CA65AE08-3F2F-D041-8D04-B39D379A1251}"/>
+              </a:ext>
+            </a:extLst>
+          </p:cNvPr>
+          <p:cNvSpPr/>
+          <p:nvPr/>
+        </p:nvSpPr>
+        <p:spPr>
+          <a:xfrm>
+            <a:off x="1887006" y="2551837"/>
+            <a:ext cx="8418010" cy="1754326"/>
+          </a:xfrm>
+          <a:prstGeom prst="rect">
+            <a:avLst/>
+          </a:prstGeom>
+          <a:noFill/>
+        </p:spPr>
+        <p:txBody>
+          <a:bodyPr wrap="none" lIns="91440" tIns="45720" rIns="91440" bIns="45720">
+            <a:spAutoFit/>
+          </a:bodyPr>
+          <a:lstStyle/>
+          <a:p>
+            <a:pPr algn="ctr"/>
+            <a:r>
+              <a:rPr lang="en-US" sz="5400" b="1" cap="none" spc="0" dirty="0">
+                <a:ln w="22225">
+                  <a:solidFill>
+                    <a:schemeClr val="accent2"/>
+                  </a:solidFill>
+                  <a:prstDash val="solid"/>
+                </a:ln>
+                <a:solidFill>
+                  <a:srgbClr val="FFC000"/>
+                </a:solidFill>
+                <a:effectLst/>
+              </a:rPr>
+              <a:t>&lt;Happy coding, everyone!/&gt;</a:t>
+            </a:r>
+          </a:p>
+          <a:p>
+            <a:pPr algn="ctr"/>
+            <a:r>
+              <a:rPr lang="en-US" sz="5400" b="1" cap="none" spc="0" dirty="0">
+                <a:ln w="22225">
+                  <a:solidFill>
+                    <a:schemeClr val="accent2"/>
+                  </a:solidFill>
+                  <a:prstDash val="solid"/>
+                </a:ln>
+                <a:solidFill>
+                  <a:srgbClr val="FFC000"/>
+                </a:solidFill>
+                <a:effectLst/>
+              </a:rPr>
+              <a:t>&lt;Thank you!/&gt;</a:t>
+            </a:r>
+          </a:p>
+        </p:txBody>
+      </p:sp>
+    </p:spTree>
+    <p:extLst>
+      <p:ext uri="{BB962C8B-B14F-4D97-AF65-F5344CB8AC3E}">
+        <p14:creationId xmlns:p14="http://schemas.microsoft.com/office/powerpoint/2010/main" val="369471608"/>
+      </p:ext>
+    </p:extLst>
   </p:cSld>
   <p:clrMapOvr>
     <a:masterClrMapping/>

--- a/5_HTML Func.pptx
+++ b/5_HTML Func.pptx
@@ -231,7 +231,7 @@
           <a:p>
             <a:fld id="{B5D7434C-48CE-114A-AD66-A0A76C8863DC}" type="datetimeFigureOut">
               <a:rPr lang="en-US" smtClean="0"/>
-              <a:t>1/26/22</a:t>
+              <a:t>1/27/22</a:t>
             </a:fld>
             <a:endParaRPr lang="en-US"/>
           </a:p>
@@ -544,21 +544,7 @@
           <a:p>
             <a:r>
               <a:rPr lang="en-US" dirty="0"/>
-              <a:t>For this course, we will not test/going thru ASCII, good to know</a:t>
-            </a:r>
-          </a:p>
-          <a:p>
-            <a:r>
-              <a:rPr lang="en-US" dirty="0"/>
-              <a:t>Computer only understand numbers, so we represent </a:t>
-            </a:r>
-            <a:r>
-              <a:rPr lang="en-US" dirty="0" err="1"/>
-              <a:t>ch</a:t>
-            </a:r>
-            <a:r>
-              <a:rPr lang="en-US" dirty="0"/>
-              <a:t> with numbers</a:t>
+              <a:t>CODE THIS</a:t>
             </a:r>
           </a:p>
         </p:txBody>
@@ -580,7 +566,7 @@
           <a:p>
             <a:fld id="{96B84399-B9FB-2F4E-9D0A-A37DF58E964F}" type="slidenum">
               <a:rPr lang="en-US" smtClean="0"/>
-              <a:t>7</a:t>
+              <a:t>5</a:t>
             </a:fld>
             <a:endParaRPr lang="en-US"/>
           </a:p>
@@ -589,7 +575,7 @@
     </p:spTree>
     <p:extLst>
       <p:ext uri="{BB962C8B-B14F-4D97-AF65-F5344CB8AC3E}">
-        <p14:creationId xmlns:p14="http://schemas.microsoft.com/office/powerpoint/2010/main" val="3390843086"/>
+        <p14:creationId xmlns:p14="http://schemas.microsoft.com/office/powerpoint/2010/main" val="492211957"/>
       </p:ext>
     </p:extLst>
   </p:cSld>
@@ -644,54 +630,23 @@
           <a:lstStyle/>
           <a:p>
             <a:r>
-              <a:rPr lang="en-US" sz="1200" b="0" i="0" kern="1200" dirty="0">
-                <a:solidFill>
-                  <a:schemeClr val="tx1"/>
-                </a:solidFill>
-                <a:effectLst/>
-                <a:latin typeface="+mn-lt"/>
-                <a:ea typeface="+mn-ea"/>
-                <a:cs typeface="+mn-cs"/>
-              </a:rPr>
-              <a:t>The </a:t>
-            </a:r>
-            <a:r>
-              <a:rPr lang="en-US" sz="1200" b="1" i="0" kern="1200" dirty="0" err="1">
-                <a:solidFill>
-                  <a:schemeClr val="tx1"/>
-                </a:solidFill>
-                <a:effectLst/>
-                <a:latin typeface="+mn-lt"/>
-                <a:ea typeface="+mn-ea"/>
-                <a:cs typeface="+mn-cs"/>
-              </a:rPr>
-              <a:t>parseInt</a:t>
-            </a:r>
-            <a:r>
-              <a:rPr lang="en-US" sz="1200" b="1" i="0" kern="1200" dirty="0">
-                <a:solidFill>
-                  <a:schemeClr val="tx1"/>
-                </a:solidFill>
-                <a:effectLst/>
-                <a:latin typeface="+mn-lt"/>
-                <a:ea typeface="+mn-ea"/>
-                <a:cs typeface="+mn-cs"/>
-              </a:rPr>
-              <a:t>()</a:t>
-            </a:r>
-            <a:r>
-              <a:rPr lang="en-US" sz="1200" b="0" i="0" kern="1200" dirty="0">
-                <a:solidFill>
-                  <a:schemeClr val="tx1"/>
-                </a:solidFill>
-                <a:effectLst/>
-                <a:latin typeface="+mn-lt"/>
-                <a:ea typeface="+mn-ea"/>
-                <a:cs typeface="+mn-cs"/>
-              </a:rPr>
-              <a:t> function parses a string argument and returns an integer</a:t>
-            </a:r>
-            <a:endParaRPr lang="en-US" dirty="0"/>
+              <a:rPr lang="en-US" dirty="0"/>
+              <a:t>For this course, we will not test/going thru ASCII, good to know</a:t>
+            </a:r>
+          </a:p>
+          <a:p>
+            <a:r>
+              <a:rPr lang="en-US" dirty="0"/>
+              <a:t>Computer only understand numbers, so we represent </a:t>
+            </a:r>
+            <a:r>
+              <a:rPr lang="en-US" dirty="0" err="1"/>
+              <a:t>ch</a:t>
+            </a:r>
+            <a:r>
+              <a:rPr lang="en-US" dirty="0"/>
+              <a:t> with numbers</a:t>
+            </a:r>
           </a:p>
         </p:txBody>
       </p:sp>
@@ -712,6 +667,138 @@
           <a:p>
             <a:fld id="{96B84399-B9FB-2F4E-9D0A-A37DF58E964F}" type="slidenum">
               <a:rPr lang="en-US" smtClean="0"/>
+              <a:t>7</a:t>
+            </a:fld>
+            <a:endParaRPr lang="en-US"/>
+          </a:p>
+        </p:txBody>
+      </p:sp>
+    </p:spTree>
+    <p:extLst>
+      <p:ext uri="{BB962C8B-B14F-4D97-AF65-F5344CB8AC3E}">
+        <p14:creationId xmlns:p14="http://schemas.microsoft.com/office/powerpoint/2010/main" val="3390843086"/>
+      </p:ext>
+    </p:extLst>
+  </p:cSld>
+  <p:clrMapOvr>
+    <a:masterClrMapping/>
+  </p:clrMapOvr>
+</p:notes>
+</file>
+
+<file path=ppt/notesSlides/notesSlide3.xml><?xml version="1.0" encoding="utf-8"?>
+<p:notes xmlns:a="http://schemas.openxmlformats.org/drawingml/2006/main" xmlns:r="http://schemas.openxmlformats.org/officeDocument/2006/relationships" xmlns:p="http://schemas.openxmlformats.org/presentationml/2006/main">
+  <p:cSld>
+    <p:spTree>
+      <p:nvGrpSpPr>
+        <p:cNvPr id="1" name=""/>
+        <p:cNvGrpSpPr/>
+        <p:nvPr/>
+      </p:nvGrpSpPr>
+      <p:grpSpPr>
+        <a:xfrm>
+          <a:off x="0" y="0"/>
+          <a:ext cx="0" cy="0"/>
+          <a:chOff x="0" y="0"/>
+          <a:chExt cx="0" cy="0"/>
+        </a:xfrm>
+      </p:grpSpPr>
+      <p:sp>
+        <p:nvSpPr>
+          <p:cNvPr id="2" name="Slide Image Placeholder 1"/>
+          <p:cNvSpPr>
+            <a:spLocks noGrp="1" noRot="1" noChangeAspect="1"/>
+          </p:cNvSpPr>
+          <p:nvPr>
+            <p:ph type="sldImg"/>
+          </p:nvPr>
+        </p:nvSpPr>
+        <p:spPr/>
+      </p:sp>
+      <p:sp>
+        <p:nvSpPr>
+          <p:cNvPr id="3" name="Notes Placeholder 2"/>
+          <p:cNvSpPr>
+            <a:spLocks noGrp="1"/>
+          </p:cNvSpPr>
+          <p:nvPr>
+            <p:ph type="body" idx="1"/>
+          </p:nvPr>
+        </p:nvSpPr>
+        <p:spPr/>
+        <p:txBody>
+          <a:bodyPr/>
+          <a:lstStyle/>
+          <a:p>
+            <a:r>
+              <a:rPr lang="en-US" sz="1200" b="0" i="0" kern="1200" dirty="0">
+                <a:solidFill>
+                  <a:schemeClr val="tx1"/>
+                </a:solidFill>
+                <a:effectLst/>
+                <a:latin typeface="+mn-lt"/>
+                <a:ea typeface="+mn-ea"/>
+                <a:cs typeface="+mn-cs"/>
+              </a:rPr>
+              <a:t>The </a:t>
+            </a:r>
+            <a:r>
+              <a:rPr lang="en-US" sz="1200" b="1" i="0" kern="1200" dirty="0" err="1">
+                <a:solidFill>
+                  <a:schemeClr val="tx1"/>
+                </a:solidFill>
+                <a:effectLst/>
+                <a:latin typeface="+mn-lt"/>
+                <a:ea typeface="+mn-ea"/>
+                <a:cs typeface="+mn-cs"/>
+              </a:rPr>
+              <a:t>parseInt</a:t>
+            </a:r>
+            <a:r>
+              <a:rPr lang="en-US" sz="1200" b="1" i="0" kern="1200" dirty="0">
+                <a:solidFill>
+                  <a:schemeClr val="tx1"/>
+                </a:solidFill>
+                <a:effectLst/>
+                <a:latin typeface="+mn-lt"/>
+                <a:ea typeface="+mn-ea"/>
+                <a:cs typeface="+mn-cs"/>
+              </a:rPr>
+              <a:t>()</a:t>
+            </a:r>
+            <a:r>
+              <a:rPr lang="en-US" sz="1200" b="0" i="0" kern="1200" dirty="0">
+                <a:solidFill>
+                  <a:schemeClr val="tx1"/>
+                </a:solidFill>
+                <a:effectLst/>
+                <a:latin typeface="+mn-lt"/>
+                <a:ea typeface="+mn-ea"/>
+                <a:cs typeface="+mn-cs"/>
+              </a:rPr>
+              <a:t> function parses a string argument and returns an integer</a:t>
+            </a:r>
+            <a:endParaRPr lang="en-US" dirty="0"/>
+          </a:p>
+        </p:txBody>
+      </p:sp>
+      <p:sp>
+        <p:nvSpPr>
+          <p:cNvPr id="4" name="Slide Number Placeholder 3"/>
+          <p:cNvSpPr>
+            <a:spLocks noGrp="1"/>
+          </p:cNvSpPr>
+          <p:nvPr>
+            <p:ph type="sldNum" sz="quarter" idx="5"/>
+          </p:nvPr>
+        </p:nvSpPr>
+        <p:spPr/>
+        <p:txBody>
+          <a:bodyPr/>
+          <a:lstStyle/>
+          <a:p>
+            <a:fld id="{96B84399-B9FB-2F4E-9D0A-A37DF58E964F}" type="slidenum">
+              <a:rPr lang="en-US" smtClean="0"/>
               <a:t>11</a:t>
             </a:fld>
             <a:endParaRPr lang="en-US"/>
@@ -722,6 +809,528 @@
     <p:extLst>
       <p:ext uri="{BB962C8B-B14F-4D97-AF65-F5344CB8AC3E}">
         <p14:creationId xmlns:p14="http://schemas.microsoft.com/office/powerpoint/2010/main" val="4152767846"/>
+      </p:ext>
+    </p:extLst>
+  </p:cSld>
+  <p:clrMapOvr>
+    <a:masterClrMapping/>
+  </p:clrMapOvr>
+</p:notes>
+</file>
+
+<file path=ppt/notesSlides/notesSlide4.xml><?xml version="1.0" encoding="utf-8"?>
+<p:notes xmlns:a="http://schemas.openxmlformats.org/drawingml/2006/main" xmlns:r="http://schemas.openxmlformats.org/officeDocument/2006/relationships" xmlns:p="http://schemas.openxmlformats.org/presentationml/2006/main">
+  <p:cSld>
+    <p:spTree>
+      <p:nvGrpSpPr>
+        <p:cNvPr id="1" name=""/>
+        <p:cNvGrpSpPr/>
+        <p:nvPr/>
+      </p:nvGrpSpPr>
+      <p:grpSpPr>
+        <a:xfrm>
+          <a:off x="0" y="0"/>
+          <a:ext cx="0" cy="0"/>
+          <a:chOff x="0" y="0"/>
+          <a:chExt cx="0" cy="0"/>
+        </a:xfrm>
+      </p:grpSpPr>
+      <p:sp>
+        <p:nvSpPr>
+          <p:cNvPr id="2" name="Slide Image Placeholder 1"/>
+          <p:cNvSpPr>
+            <a:spLocks noGrp="1" noRot="1" noChangeAspect="1"/>
+          </p:cNvSpPr>
+          <p:nvPr>
+            <p:ph type="sldImg"/>
+          </p:nvPr>
+        </p:nvSpPr>
+        <p:spPr/>
+      </p:sp>
+      <p:sp>
+        <p:nvSpPr>
+          <p:cNvPr id="3" name="Notes Placeholder 2"/>
+          <p:cNvSpPr>
+            <a:spLocks noGrp="1"/>
+          </p:cNvSpPr>
+          <p:nvPr>
+            <p:ph type="body" idx="1"/>
+          </p:nvPr>
+        </p:nvSpPr>
+        <p:spPr/>
+        <p:txBody>
+          <a:bodyPr/>
+          <a:lstStyle/>
+          <a:p>
+            <a:r>
+              <a:rPr lang="en-US" dirty="0"/>
+              <a:t>CODE THIS!</a:t>
+            </a:r>
+          </a:p>
+        </p:txBody>
+      </p:sp>
+      <p:sp>
+        <p:nvSpPr>
+          <p:cNvPr id="4" name="Slide Number Placeholder 3"/>
+          <p:cNvSpPr>
+            <a:spLocks noGrp="1"/>
+          </p:cNvSpPr>
+          <p:nvPr>
+            <p:ph type="sldNum" sz="quarter" idx="5"/>
+          </p:nvPr>
+        </p:nvSpPr>
+        <p:spPr/>
+        <p:txBody>
+          <a:bodyPr/>
+          <a:lstStyle/>
+          <a:p>
+            <a:fld id="{96B84399-B9FB-2F4E-9D0A-A37DF58E964F}" type="slidenum">
+              <a:rPr lang="en-US" smtClean="0"/>
+              <a:t>13</a:t>
+            </a:fld>
+            <a:endParaRPr lang="en-US"/>
+          </a:p>
+        </p:txBody>
+      </p:sp>
+    </p:spTree>
+    <p:extLst>
+      <p:ext uri="{BB962C8B-B14F-4D97-AF65-F5344CB8AC3E}">
+        <p14:creationId xmlns:p14="http://schemas.microsoft.com/office/powerpoint/2010/main" val="4221456138"/>
+      </p:ext>
+    </p:extLst>
+  </p:cSld>
+  <p:clrMapOvr>
+    <a:masterClrMapping/>
+  </p:clrMapOvr>
+</p:notes>
+</file>
+
+<file path=ppt/notesSlides/notesSlide5.xml><?xml version="1.0" encoding="utf-8"?>
+<p:notes xmlns:a="http://schemas.openxmlformats.org/drawingml/2006/main" xmlns:r="http://schemas.openxmlformats.org/officeDocument/2006/relationships" xmlns:p="http://schemas.openxmlformats.org/presentationml/2006/main">
+  <p:cSld>
+    <p:spTree>
+      <p:nvGrpSpPr>
+        <p:cNvPr id="1" name=""/>
+        <p:cNvGrpSpPr/>
+        <p:nvPr/>
+      </p:nvGrpSpPr>
+      <p:grpSpPr>
+        <a:xfrm>
+          <a:off x="0" y="0"/>
+          <a:ext cx="0" cy="0"/>
+          <a:chOff x="0" y="0"/>
+          <a:chExt cx="0" cy="0"/>
+        </a:xfrm>
+      </p:grpSpPr>
+      <p:sp>
+        <p:nvSpPr>
+          <p:cNvPr id="2" name="Slide Image Placeholder 1"/>
+          <p:cNvSpPr>
+            <a:spLocks noGrp="1" noRot="1" noChangeAspect="1"/>
+          </p:cNvSpPr>
+          <p:nvPr>
+            <p:ph type="sldImg"/>
+          </p:nvPr>
+        </p:nvSpPr>
+        <p:spPr/>
+      </p:sp>
+      <p:sp>
+        <p:nvSpPr>
+          <p:cNvPr id="3" name="Notes Placeholder 2"/>
+          <p:cNvSpPr>
+            <a:spLocks noGrp="1"/>
+          </p:cNvSpPr>
+          <p:nvPr>
+            <p:ph type="body" idx="1"/>
+          </p:nvPr>
+        </p:nvSpPr>
+        <p:spPr/>
+        <p:txBody>
+          <a:bodyPr/>
+          <a:lstStyle/>
+          <a:p>
+            <a:r>
+              <a:rPr lang="en-US" dirty="0"/>
+              <a:t>CODE RETURN VALUE</a:t>
+            </a:r>
+          </a:p>
+        </p:txBody>
+      </p:sp>
+      <p:sp>
+        <p:nvSpPr>
+          <p:cNvPr id="4" name="Slide Number Placeholder 3"/>
+          <p:cNvSpPr>
+            <a:spLocks noGrp="1"/>
+          </p:cNvSpPr>
+          <p:nvPr>
+            <p:ph type="sldNum" sz="quarter" idx="5"/>
+          </p:nvPr>
+        </p:nvSpPr>
+        <p:spPr/>
+        <p:txBody>
+          <a:bodyPr/>
+          <a:lstStyle/>
+          <a:p>
+            <a:fld id="{96B84399-B9FB-2F4E-9D0A-A37DF58E964F}" type="slidenum">
+              <a:rPr lang="en-US" smtClean="0"/>
+              <a:t>15</a:t>
+            </a:fld>
+            <a:endParaRPr lang="en-US"/>
+          </a:p>
+        </p:txBody>
+      </p:sp>
+    </p:spTree>
+    <p:extLst>
+      <p:ext uri="{BB962C8B-B14F-4D97-AF65-F5344CB8AC3E}">
+        <p14:creationId xmlns:p14="http://schemas.microsoft.com/office/powerpoint/2010/main" val="4003905083"/>
+      </p:ext>
+    </p:extLst>
+  </p:cSld>
+  <p:clrMapOvr>
+    <a:masterClrMapping/>
+  </p:clrMapOvr>
+</p:notes>
+</file>
+
+<file path=ppt/notesSlides/notesSlide6.xml><?xml version="1.0" encoding="utf-8"?>
+<p:notes xmlns:a="http://schemas.openxmlformats.org/drawingml/2006/main" xmlns:r="http://schemas.openxmlformats.org/officeDocument/2006/relationships" xmlns:p="http://schemas.openxmlformats.org/presentationml/2006/main">
+  <p:cSld>
+    <p:spTree>
+      <p:nvGrpSpPr>
+        <p:cNvPr id="1" name=""/>
+        <p:cNvGrpSpPr/>
+        <p:nvPr/>
+      </p:nvGrpSpPr>
+      <p:grpSpPr>
+        <a:xfrm>
+          <a:off x="0" y="0"/>
+          <a:ext cx="0" cy="0"/>
+          <a:chOff x="0" y="0"/>
+          <a:chExt cx="0" cy="0"/>
+        </a:xfrm>
+      </p:grpSpPr>
+      <p:sp>
+        <p:nvSpPr>
+          <p:cNvPr id="2" name="Slide Image Placeholder 1"/>
+          <p:cNvSpPr>
+            <a:spLocks noGrp="1" noRot="1" noChangeAspect="1"/>
+          </p:cNvSpPr>
+          <p:nvPr>
+            <p:ph type="sldImg"/>
+          </p:nvPr>
+        </p:nvSpPr>
+        <p:spPr/>
+      </p:sp>
+      <p:sp>
+        <p:nvSpPr>
+          <p:cNvPr id="3" name="Notes Placeholder 2"/>
+          <p:cNvSpPr>
+            <a:spLocks noGrp="1"/>
+          </p:cNvSpPr>
+          <p:nvPr>
+            <p:ph type="body" idx="1"/>
+          </p:nvPr>
+        </p:nvSpPr>
+        <p:spPr/>
+        <p:txBody>
+          <a:bodyPr/>
+          <a:lstStyle/>
+          <a:p>
+            <a:r>
+              <a:rPr lang="en-US" dirty="0"/>
+              <a:t>CODE THIS</a:t>
+            </a:r>
+          </a:p>
+        </p:txBody>
+      </p:sp>
+      <p:sp>
+        <p:nvSpPr>
+          <p:cNvPr id="4" name="Slide Number Placeholder 3"/>
+          <p:cNvSpPr>
+            <a:spLocks noGrp="1"/>
+          </p:cNvSpPr>
+          <p:nvPr>
+            <p:ph type="sldNum" sz="quarter" idx="5"/>
+          </p:nvPr>
+        </p:nvSpPr>
+        <p:spPr/>
+        <p:txBody>
+          <a:bodyPr/>
+          <a:lstStyle/>
+          <a:p>
+            <a:fld id="{96B84399-B9FB-2F4E-9D0A-A37DF58E964F}" type="slidenum">
+              <a:rPr lang="en-US" smtClean="0"/>
+              <a:t>20</a:t>
+            </a:fld>
+            <a:endParaRPr lang="en-US"/>
+          </a:p>
+        </p:txBody>
+      </p:sp>
+    </p:spTree>
+    <p:extLst>
+      <p:ext uri="{BB962C8B-B14F-4D97-AF65-F5344CB8AC3E}">
+        <p14:creationId xmlns:p14="http://schemas.microsoft.com/office/powerpoint/2010/main" val="789551146"/>
+      </p:ext>
+    </p:extLst>
+  </p:cSld>
+  <p:clrMapOvr>
+    <a:masterClrMapping/>
+  </p:clrMapOvr>
+</p:notes>
+</file>
+
+<file path=ppt/notesSlides/notesSlide7.xml><?xml version="1.0" encoding="utf-8"?>
+<p:notes xmlns:a="http://schemas.openxmlformats.org/drawingml/2006/main" xmlns:r="http://schemas.openxmlformats.org/officeDocument/2006/relationships" xmlns:p="http://schemas.openxmlformats.org/presentationml/2006/main">
+  <p:cSld>
+    <p:spTree>
+      <p:nvGrpSpPr>
+        <p:cNvPr id="1" name=""/>
+        <p:cNvGrpSpPr/>
+        <p:nvPr/>
+      </p:nvGrpSpPr>
+      <p:grpSpPr>
+        <a:xfrm>
+          <a:off x="0" y="0"/>
+          <a:ext cx="0" cy="0"/>
+          <a:chOff x="0" y="0"/>
+          <a:chExt cx="0" cy="0"/>
+        </a:xfrm>
+      </p:grpSpPr>
+      <p:sp>
+        <p:nvSpPr>
+          <p:cNvPr id="2" name="Slide Image Placeholder 1"/>
+          <p:cNvSpPr>
+            <a:spLocks noGrp="1" noRot="1" noChangeAspect="1"/>
+          </p:cNvSpPr>
+          <p:nvPr>
+            <p:ph type="sldImg"/>
+          </p:nvPr>
+        </p:nvSpPr>
+        <p:spPr/>
+      </p:sp>
+      <p:sp>
+        <p:nvSpPr>
+          <p:cNvPr id="3" name="Notes Placeholder 2"/>
+          <p:cNvSpPr>
+            <a:spLocks noGrp="1"/>
+          </p:cNvSpPr>
+          <p:nvPr>
+            <p:ph type="body" idx="1"/>
+          </p:nvPr>
+        </p:nvSpPr>
+        <p:spPr/>
+        <p:txBody>
+          <a:bodyPr/>
+          <a:lstStyle/>
+          <a:p>
+            <a:r>
+              <a:rPr lang="en-US" dirty="0"/>
+              <a:t>CODE THIS</a:t>
+            </a:r>
+          </a:p>
+        </p:txBody>
+      </p:sp>
+      <p:sp>
+        <p:nvSpPr>
+          <p:cNvPr id="4" name="Slide Number Placeholder 3"/>
+          <p:cNvSpPr>
+            <a:spLocks noGrp="1"/>
+          </p:cNvSpPr>
+          <p:nvPr>
+            <p:ph type="sldNum" sz="quarter" idx="5"/>
+          </p:nvPr>
+        </p:nvSpPr>
+        <p:spPr/>
+        <p:txBody>
+          <a:bodyPr/>
+          <a:lstStyle/>
+          <a:p>
+            <a:fld id="{96B84399-B9FB-2F4E-9D0A-A37DF58E964F}" type="slidenum">
+              <a:rPr lang="en-US" smtClean="0"/>
+              <a:t>22</a:t>
+            </a:fld>
+            <a:endParaRPr lang="en-US"/>
+          </a:p>
+        </p:txBody>
+      </p:sp>
+    </p:spTree>
+    <p:extLst>
+      <p:ext uri="{BB962C8B-B14F-4D97-AF65-F5344CB8AC3E}">
+        <p14:creationId xmlns:p14="http://schemas.microsoft.com/office/powerpoint/2010/main" val="4091962599"/>
+      </p:ext>
+    </p:extLst>
+  </p:cSld>
+  <p:clrMapOvr>
+    <a:masterClrMapping/>
+  </p:clrMapOvr>
+</p:notes>
+</file>
+
+<file path=ppt/notesSlides/notesSlide8.xml><?xml version="1.0" encoding="utf-8"?>
+<p:notes xmlns:a="http://schemas.openxmlformats.org/drawingml/2006/main" xmlns:r="http://schemas.openxmlformats.org/officeDocument/2006/relationships" xmlns:p="http://schemas.openxmlformats.org/presentationml/2006/main">
+  <p:cSld>
+    <p:spTree>
+      <p:nvGrpSpPr>
+        <p:cNvPr id="1" name=""/>
+        <p:cNvGrpSpPr/>
+        <p:nvPr/>
+      </p:nvGrpSpPr>
+      <p:grpSpPr>
+        <a:xfrm>
+          <a:off x="0" y="0"/>
+          <a:ext cx="0" cy="0"/>
+          <a:chOff x="0" y="0"/>
+          <a:chExt cx="0" cy="0"/>
+        </a:xfrm>
+      </p:grpSpPr>
+      <p:sp>
+        <p:nvSpPr>
+          <p:cNvPr id="2" name="Slide Image Placeholder 1"/>
+          <p:cNvSpPr>
+            <a:spLocks noGrp="1" noRot="1" noChangeAspect="1"/>
+          </p:cNvSpPr>
+          <p:nvPr>
+            <p:ph type="sldImg"/>
+          </p:nvPr>
+        </p:nvSpPr>
+        <p:spPr/>
+      </p:sp>
+      <p:sp>
+        <p:nvSpPr>
+          <p:cNvPr id="3" name="Notes Placeholder 2"/>
+          <p:cNvSpPr>
+            <a:spLocks noGrp="1"/>
+          </p:cNvSpPr>
+          <p:nvPr>
+            <p:ph type="body" idx="1"/>
+          </p:nvPr>
+        </p:nvSpPr>
+        <p:spPr/>
+        <p:txBody>
+          <a:bodyPr/>
+          <a:lstStyle/>
+          <a:p>
+            <a:r>
+              <a:rPr lang="en-US" dirty="0"/>
+              <a:t>CODE THIS</a:t>
+            </a:r>
+          </a:p>
+        </p:txBody>
+      </p:sp>
+      <p:sp>
+        <p:nvSpPr>
+          <p:cNvPr id="4" name="Slide Number Placeholder 3"/>
+          <p:cNvSpPr>
+            <a:spLocks noGrp="1"/>
+          </p:cNvSpPr>
+          <p:nvPr>
+            <p:ph type="sldNum" sz="quarter" idx="5"/>
+          </p:nvPr>
+        </p:nvSpPr>
+        <p:spPr/>
+        <p:txBody>
+          <a:bodyPr/>
+          <a:lstStyle/>
+          <a:p>
+            <a:fld id="{96B84399-B9FB-2F4E-9D0A-A37DF58E964F}" type="slidenum">
+              <a:rPr lang="en-US" smtClean="0"/>
+              <a:t>23</a:t>
+            </a:fld>
+            <a:endParaRPr lang="en-US"/>
+          </a:p>
+        </p:txBody>
+      </p:sp>
+    </p:spTree>
+    <p:extLst>
+      <p:ext uri="{BB962C8B-B14F-4D97-AF65-F5344CB8AC3E}">
+        <p14:creationId xmlns:p14="http://schemas.microsoft.com/office/powerpoint/2010/main" val="2132482248"/>
+      </p:ext>
+    </p:extLst>
+  </p:cSld>
+  <p:clrMapOvr>
+    <a:masterClrMapping/>
+  </p:clrMapOvr>
+</p:notes>
+</file>
+
+<file path=ppt/notesSlides/notesSlide9.xml><?xml version="1.0" encoding="utf-8"?>
+<p:notes xmlns:a="http://schemas.openxmlformats.org/drawingml/2006/main" xmlns:r="http://schemas.openxmlformats.org/officeDocument/2006/relationships" xmlns:p="http://schemas.openxmlformats.org/presentationml/2006/main">
+  <p:cSld>
+    <p:spTree>
+      <p:nvGrpSpPr>
+        <p:cNvPr id="1" name=""/>
+        <p:cNvGrpSpPr/>
+        <p:nvPr/>
+      </p:nvGrpSpPr>
+      <p:grpSpPr>
+        <a:xfrm>
+          <a:off x="0" y="0"/>
+          <a:ext cx="0" cy="0"/>
+          <a:chOff x="0" y="0"/>
+          <a:chExt cx="0" cy="0"/>
+        </a:xfrm>
+      </p:grpSpPr>
+      <p:sp>
+        <p:nvSpPr>
+          <p:cNvPr id="2" name="Slide Image Placeholder 1"/>
+          <p:cNvSpPr>
+            <a:spLocks noGrp="1" noRot="1" noChangeAspect="1"/>
+          </p:cNvSpPr>
+          <p:nvPr>
+            <p:ph type="sldImg"/>
+          </p:nvPr>
+        </p:nvSpPr>
+        <p:spPr/>
+      </p:sp>
+      <p:sp>
+        <p:nvSpPr>
+          <p:cNvPr id="3" name="Notes Placeholder 2"/>
+          <p:cNvSpPr>
+            <a:spLocks noGrp="1"/>
+          </p:cNvSpPr>
+          <p:nvPr>
+            <p:ph type="body" idx="1"/>
+          </p:nvPr>
+        </p:nvSpPr>
+        <p:spPr/>
+        <p:txBody>
+          <a:bodyPr/>
+          <a:lstStyle/>
+          <a:p>
+            <a:r>
+              <a:rPr lang="en-US" dirty="0"/>
+              <a:t>CODE THIS</a:t>
+            </a:r>
+          </a:p>
+        </p:txBody>
+      </p:sp>
+      <p:sp>
+        <p:nvSpPr>
+          <p:cNvPr id="4" name="Slide Number Placeholder 3"/>
+          <p:cNvSpPr>
+            <a:spLocks noGrp="1"/>
+          </p:cNvSpPr>
+          <p:nvPr>
+            <p:ph type="sldNum" sz="quarter" idx="5"/>
+          </p:nvPr>
+        </p:nvSpPr>
+        <p:spPr/>
+        <p:txBody>
+          <a:bodyPr/>
+          <a:lstStyle/>
+          <a:p>
+            <a:fld id="{96B84399-B9FB-2F4E-9D0A-A37DF58E964F}" type="slidenum">
+              <a:rPr lang="en-US" smtClean="0"/>
+              <a:t>24</a:t>
+            </a:fld>
+            <a:endParaRPr lang="en-US"/>
+          </a:p>
+        </p:txBody>
+      </p:sp>
+    </p:spTree>
+    <p:extLst>
+      <p:ext uri="{BB962C8B-B14F-4D97-AF65-F5344CB8AC3E}">
+        <p14:creationId xmlns:p14="http://schemas.microsoft.com/office/powerpoint/2010/main" val="2805288233"/>
       </p:ext>
     </p:extLst>
   </p:cSld>
@@ -901,7 +1510,7 @@
             <a:fld id="{87DE6118-2437-4B30-8E3C-4D2BE6020583}" type="datetimeFigureOut">
               <a:rPr lang="en-US" dirty="0"/>
               <a:pPr/>
-              <a:t>1/26/22</a:t>
+              <a:t>1/27/22</a:t>
             </a:fld>
             <a:endParaRPr lang="en-US" dirty="0"/>
           </a:p>
@@ -1227,7 +1836,7 @@
           <a:p>
             <a:fld id="{87DE6118-2437-4B30-8E3C-4D2BE6020583}" type="datetimeFigureOut">
               <a:rPr lang="en-US" dirty="0"/>
-              <a:t>1/26/22</a:t>
+              <a:t>1/27/22</a:t>
             </a:fld>
             <a:endParaRPr lang="en-US" dirty="0"/>
           </a:p>
@@ -1402,7 +2011,7 @@
           <a:p>
             <a:fld id="{87DE6118-2437-4B30-8E3C-4D2BE6020583}" type="datetimeFigureOut">
               <a:rPr lang="en-US" dirty="0"/>
-              <a:t>1/26/22</a:t>
+              <a:t>1/27/22</a:t>
             </a:fld>
             <a:endParaRPr lang="en-US" dirty="0"/>
           </a:p>
@@ -1630,7 +2239,7 @@
           <a:p>
             <a:fld id="{1D8BD707-D9CF-40AE-B4C6-C98DA3205C09}" type="datetimeFigureOut">
               <a:rPr lang="en-US"/>
-              <a:t>1/26/22</a:t>
+              <a:t>1/27/22</a:t>
             </a:fld>
             <a:endParaRPr lang="en-US"/>
           </a:p>
@@ -1836,7 +2445,7 @@
           <a:p>
             <a:fld id="{87DE6118-2437-4B30-8E3C-4D2BE6020583}" type="datetimeFigureOut">
               <a:rPr lang="en-US" dirty="0"/>
-              <a:t>1/26/22</a:t>
+              <a:t>1/27/22</a:t>
             </a:fld>
             <a:endParaRPr lang="en-US" dirty="0"/>
           </a:p>
@@ -2119,7 +2728,7 @@
             <a:fld id="{87DE6118-2437-4B30-8E3C-4D2BE6020583}" type="datetimeFigureOut">
               <a:rPr lang="en-US" dirty="0"/>
               <a:pPr/>
-              <a:t>1/26/22</a:t>
+              <a:t>1/27/22</a:t>
             </a:fld>
             <a:endParaRPr lang="en-US" dirty="0"/>
           </a:p>
@@ -2509,7 +3118,7 @@
           <a:p>
             <a:fld id="{87DE6118-2437-4B30-8E3C-4D2BE6020583}" type="datetimeFigureOut">
               <a:rPr lang="en-US" dirty="0"/>
-              <a:t>1/26/22</a:t>
+              <a:t>1/27/22</a:t>
             </a:fld>
             <a:endParaRPr lang="en-US" dirty="0"/>
           </a:p>
@@ -2981,7 +3590,7 @@
           <a:p>
             <a:fld id="{87DE6118-2437-4B30-8E3C-4D2BE6020583}" type="datetimeFigureOut">
               <a:rPr lang="en-US" dirty="0"/>
-              <a:t>1/26/22</a:t>
+              <a:t>1/27/22</a:t>
             </a:fld>
             <a:endParaRPr lang="en-US" dirty="0"/>
           </a:p>
@@ -3094,7 +3703,7 @@
           <a:p>
             <a:fld id="{87DE6118-2437-4B30-8E3C-4D2BE6020583}" type="datetimeFigureOut">
               <a:rPr lang="en-US" dirty="0"/>
-              <a:t>1/26/22</a:t>
+              <a:t>1/27/22</a:t>
             </a:fld>
             <a:endParaRPr lang="en-US" dirty="0"/>
           </a:p>
@@ -3184,7 +3793,7 @@
           <a:p>
             <a:fld id="{87DE6118-2437-4B30-8E3C-4D2BE6020583}" type="datetimeFigureOut">
               <a:rPr lang="en-US" dirty="0"/>
-              <a:t>1/26/22</a:t>
+              <a:t>1/27/22</a:t>
             </a:fld>
             <a:endParaRPr lang="en-US" dirty="0"/>
           </a:p>
@@ -3526,7 +4135,7 @@
             <a:fld id="{87DE6118-2437-4B30-8E3C-4D2BE6020583}" type="datetimeFigureOut">
               <a:rPr lang="en-US" dirty="0"/>
               <a:pPr/>
-              <a:t>1/26/22</a:t>
+              <a:t>1/27/22</a:t>
             </a:fld>
             <a:endParaRPr lang="en-US" dirty="0"/>
           </a:p>
@@ -3911,7 +4520,7 @@
             <a:fld id="{87DE6118-2437-4B30-8E3C-4D2BE6020583}" type="datetimeFigureOut">
               <a:rPr lang="en-US" dirty="0"/>
               <a:pPr/>
-              <a:t>1/26/22</a:t>
+              <a:t>1/27/22</a:t>
             </a:fld>
             <a:endParaRPr lang="en-US" dirty="0"/>
           </a:p>
@@ -4186,7 +4795,7 @@
             <a:fld id="{87DE6118-2437-4B30-8E3C-4D2BE6020583}" type="datetimeFigureOut">
               <a:rPr lang="en-US" dirty="0"/>
               <a:pPr/>
-              <a:t>1/26/22</a:t>
+              <a:t>1/27/22</a:t>
             </a:fld>
             <a:endParaRPr lang="en-US" dirty="0"/>
           </a:p>
@@ -6310,11 +6919,18 @@
               <a:t>n </a:t>
             </a:r>
             <a:r>
+              <a:rPr sz="2902" spc="-9" dirty="0" err="1">
+                <a:latin typeface="Calibri" panose="020F0502020204030204" pitchFamily="34" charset="0"/>
+                <a:cs typeface="Calibri" panose="020F0502020204030204" pitchFamily="34" charset="0"/>
+              </a:rPr>
+              <a:t>dosth</a:t>
+            </a:r>
+            <a:r>
               <a:rPr sz="2902" spc="-9" dirty="0">
                 <a:latin typeface="Calibri" panose="020F0502020204030204" pitchFamily="34" charset="0"/>
                 <a:cs typeface="Calibri" panose="020F0502020204030204" pitchFamily="34" charset="0"/>
               </a:rPr>
-              <a:t>dosth(</a:t>
+              <a:t>(</a:t>
             </a:r>
             <a:r>
               <a:rPr sz="2902" spc="-5" dirty="0">
@@ -6322,6 +6938,13 @@
                 <a:cs typeface="Calibri" panose="020F0502020204030204" pitchFamily="34" charset="0"/>
               </a:rPr>
               <a:t>)</a:t>
+            </a:r>
+            <a:r>
+              <a:rPr lang="en-US" sz="2902" spc="-5" dirty="0">
+                <a:latin typeface="Calibri" panose="020F0502020204030204" pitchFamily="34" charset="0"/>
+                <a:cs typeface="Calibri" panose="020F0502020204030204" pitchFamily="34" charset="0"/>
+              </a:rPr>
+              <a:t>  {</a:t>
             </a:r>
             <a:r>
               <a:rPr sz="2902" dirty="0">
@@ -6412,6 +7035,13 @@
                 <a:spcPts val="5"/>
               </a:spcBef>
             </a:pPr>
+            <a:r>
+              <a:rPr lang="en-US" sz="2947" dirty="0">
+                <a:latin typeface="Calibri" panose="020F0502020204030204" pitchFamily="34" charset="0"/>
+                <a:cs typeface="Calibri" panose="020F0502020204030204" pitchFamily="34" charset="0"/>
+              </a:rPr>
+              <a:t>     }</a:t>
+            </a:r>
             <a:endParaRPr sz="2947" dirty="0">
               <a:latin typeface="Calibri" panose="020F0502020204030204" pitchFamily="34" charset="0"/>
               <a:cs typeface="Calibri" panose="020F0502020204030204" pitchFamily="34" charset="0"/>
@@ -6849,7 +7479,7 @@
               </a:rPr>
               <a:t>w="b";</a:t>
             </a:r>
-            <a:endParaRPr sz="2630">
+            <a:endParaRPr sz="2630" dirty="0">
               <a:latin typeface="Arial"/>
               <a:cs typeface="Arial"/>
             </a:endParaRPr>
@@ -7044,7 +7674,7 @@
               </a:rPr>
               <a:t>declaration</a:t>
             </a:r>
-            <a:endParaRPr sz="2630">
+            <a:endParaRPr sz="2630" dirty="0">
               <a:latin typeface="Arial"/>
               <a:cs typeface="Arial"/>
             </a:endParaRPr>
@@ -7101,7 +7731,7 @@
               </a:rPr>
               <a:t>2();</a:t>
             </a:r>
-            <a:endParaRPr sz="2630">
+            <a:endParaRPr sz="2630" dirty="0">
               <a:latin typeface="Arial"/>
               <a:cs typeface="Arial"/>
             </a:endParaRPr>
@@ -7119,7 +7749,7 @@
               </a:rPr>
               <a:t>alert("v="+v+";w="+w);</a:t>
             </a:r>
-            <a:endParaRPr sz="2630">
+            <a:endParaRPr sz="2630" dirty="0">
               <a:latin typeface="Arial"/>
               <a:cs typeface="Arial"/>
             </a:endParaRPr>
@@ -8980,7 +9610,7 @@
               </a:rPr>
               <a:t>h);</a:t>
             </a:r>
-            <a:endParaRPr sz="3627">
+            <a:endParaRPr sz="3627" dirty="0">
               <a:latin typeface="Apple SD Gothic Neo"/>
               <a:cs typeface="Apple SD Gothic Neo"/>
             </a:endParaRPr>
@@ -9092,7 +9722,7 @@
               </a:rPr>
               <a:t>());</a:t>
             </a:r>
-            <a:endParaRPr sz="3627">
+            <a:endParaRPr sz="3627" dirty="0">
               <a:latin typeface="Apple SD Gothic Neo"/>
               <a:cs typeface="Apple SD Gothic Neo"/>
             </a:endParaRPr>
@@ -13004,7 +13634,7 @@
               </a:rPr>
               <a:t>&lt;/script&gt;</a:t>
             </a:r>
-            <a:endParaRPr sz="1632">
+            <a:endParaRPr sz="1632" dirty="0">
               <a:latin typeface="Arial"/>
               <a:cs typeface="Arial"/>
             </a:endParaRPr>
@@ -13018,10 +13648,6 @@
               </a:rPr>
               <a:t>……</a:t>
             </a:r>
-            <a:endParaRPr sz="1632">
-              <a:latin typeface="Arial"/>
-              <a:cs typeface="Arial"/>
-            </a:endParaRPr>
           </a:p>
           <a:p>
             <a:pPr marL="76008">
@@ -13036,7 +13662,7 @@
               </a:rPr>
               <a:t>&lt;form&gt;</a:t>
             </a:r>
-            <a:endParaRPr sz="1632">
+            <a:endParaRPr sz="1632" dirty="0">
               <a:latin typeface="Arial Unicode MS"/>
               <a:cs typeface="Arial Unicode MS"/>
             </a:endParaRPr>
@@ -13136,7 +13762,7 @@
               </a:rPr>
               <a:t>/&gt;</a:t>
             </a:r>
-            <a:endParaRPr sz="1632">
+            <a:endParaRPr sz="1632" dirty="0">
               <a:latin typeface="Arial Unicode MS"/>
               <a:cs typeface="Arial Unicode MS"/>
             </a:endParaRPr>
@@ -13154,7 +13780,7 @@
               </a:rPr>
               <a:t>&lt;/form&gt;</a:t>
             </a:r>
-            <a:endParaRPr sz="1632">
+            <a:endParaRPr sz="1632" dirty="0">
               <a:latin typeface="Arial Unicode MS"/>
               <a:cs typeface="Arial Unicode MS"/>
             </a:endParaRPr>
@@ -13269,10 +13895,6 @@
               </a:rPr>
               <a:t>alert(‘Hi');</a:t>
             </a:r>
-            <a:endParaRPr sz="1632">
-              <a:latin typeface="Arial"/>
-              <a:cs typeface="Arial"/>
-            </a:endParaRPr>
           </a:p>
           <a:p>
             <a:pPr marL="51248"/>
@@ -13283,10 +13905,6 @@
               </a:rPr>
               <a:t>}</a:t>
             </a:r>
-            <a:endParaRPr sz="1632">
-              <a:latin typeface="Arial"/>
-              <a:cs typeface="Arial"/>
-            </a:endParaRPr>
           </a:p>
         </p:txBody>
       </p:sp>
@@ -13944,7 +14562,7 @@
               </a:rPr>
               <a:t>&lt;/script&gt;</a:t>
             </a:r>
-            <a:endParaRPr sz="1814">
+            <a:endParaRPr sz="1814" dirty="0">
               <a:latin typeface="Arial Rounded MT Bold"/>
               <a:cs typeface="Arial Rounded MT Bold"/>
             </a:endParaRPr>
@@ -13958,7 +14576,7 @@
               </a:rPr>
               <a:t>……</a:t>
             </a:r>
-            <a:endParaRPr sz="1814">
+            <a:endParaRPr sz="1814" dirty="0">
               <a:latin typeface="Arial Rounded MT Bold"/>
               <a:cs typeface="Arial Rounded MT Bold"/>
             </a:endParaRPr>
@@ -13969,7 +14587,7 @@
                 <a:spcPts val="1"/>
               </a:spcBef>
             </a:pPr>
-            <a:endParaRPr sz="1768">
+            <a:endParaRPr sz="1768" dirty="0">
               <a:latin typeface="Times New Roman"/>
               <a:cs typeface="Times New Roman"/>
             </a:endParaRPr>
@@ -14006,7 +14624,7 @@
               </a:rPr>
               <a:t>orm&gt;</a:t>
             </a:r>
-            <a:endParaRPr sz="1814">
+            <a:endParaRPr sz="1814" dirty="0">
               <a:latin typeface="Arial Rounded MT Bold"/>
               <a:cs typeface="Arial Rounded MT Bold"/>
             </a:endParaRPr>
@@ -14219,7 +14837,7 @@
               </a:rPr>
               <a:t>/&gt;</a:t>
             </a:r>
-            <a:endParaRPr sz="1814">
+            <a:endParaRPr sz="1814" dirty="0">
               <a:latin typeface="Arial Rounded MT Bold"/>
               <a:cs typeface="Arial Rounded MT Bold"/>
             </a:endParaRPr>
@@ -14256,7 +14874,7 @@
               </a:rPr>
               <a:t>orm&gt;</a:t>
             </a:r>
-            <a:endParaRPr sz="1814">
+            <a:endParaRPr sz="1814" dirty="0">
               <a:latin typeface="Arial Rounded MT Bold"/>
               <a:cs typeface="Arial Rounded MT Bold"/>
             </a:endParaRPr>
@@ -14492,7 +15110,7 @@
               </a:rPr>
               <a:t>)</a:t>
             </a:r>
-            <a:endParaRPr sz="1814">
+            <a:endParaRPr sz="1814" dirty="0">
               <a:latin typeface="Arial Rounded MT Bold"/>
               <a:cs typeface="Arial Rounded MT Bold"/>
             </a:endParaRPr>
@@ -14506,7 +15124,7 @@
               </a:rPr>
               <a:t>}</a:t>
             </a:r>
-            <a:endParaRPr sz="1814">
+            <a:endParaRPr sz="1814" dirty="0">
               <a:latin typeface="Arial Rounded MT Bold"/>
               <a:cs typeface="Arial Rounded MT Bold"/>
             </a:endParaRPr>
@@ -15395,10 +16013,6 @@
               </a:rPr>
               <a:t>='alert(this.value);' /&gt;</a:t>
             </a:r>
-            <a:endParaRPr sz="2539">
-              <a:latin typeface="Arial"/>
-              <a:cs typeface="Arial"/>
-            </a:endParaRPr>
           </a:p>
         </p:txBody>
       </p:sp>
@@ -15607,7 +16221,7 @@
               </a:rPr>
               <a:t>document.form_name.element_name</a:t>
             </a:r>
-            <a:endParaRPr sz="2720">
+            <a:endParaRPr sz="2720" dirty="0">
               <a:latin typeface="Arial"/>
               <a:cs typeface="Arial"/>
             </a:endParaRPr>
@@ -15702,7 +16316,7 @@
               </a:rPr>
               <a:t>Model (DOM)</a:t>
             </a:r>
-            <a:endParaRPr sz="2358">
+            <a:endParaRPr sz="2358" dirty="0">
               <a:latin typeface="Arial"/>
               <a:cs typeface="Arial"/>
             </a:endParaRPr>
@@ -15867,7 +16481,7 @@
               </a:rPr>
               <a:t>a document</a:t>
             </a:r>
-            <a:endParaRPr sz="2358">
+            <a:endParaRPr sz="2358" dirty="0">
               <a:latin typeface="Arial"/>
               <a:cs typeface="Arial"/>
             </a:endParaRPr>
@@ -15892,7 +16506,7 @@
               </a:rPr>
               <a:t>document.getElementById(element_id)</a:t>
             </a:r>
-            <a:endParaRPr sz="2720">
+            <a:endParaRPr sz="2720" dirty="0">
               <a:latin typeface="Arial"/>
               <a:cs typeface="Arial"/>
             </a:endParaRPr>
@@ -16040,7 +16654,7 @@
               </a:rPr>
               <a:t>&lt;html&gt;</a:t>
             </a:r>
-            <a:endParaRPr sz="1542">
+            <a:endParaRPr sz="1542" dirty="0">
               <a:latin typeface="Arial"/>
               <a:cs typeface="Arial"/>
             </a:endParaRPr>
@@ -16054,7 +16668,7 @@
               </a:rPr>
               <a:t>&lt;head&gt;</a:t>
             </a:r>
-            <a:endParaRPr sz="1542">
+            <a:endParaRPr sz="1542" dirty="0">
               <a:latin typeface="Arial"/>
               <a:cs typeface="Arial"/>
             </a:endParaRPr>
@@ -16139,7 +16753,7 @@
               </a:rPr>
               <a:t>){</a:t>
             </a:r>
-            <a:endParaRPr sz="1542">
+            <a:endParaRPr sz="1542" dirty="0">
               <a:latin typeface="Arial"/>
               <a:cs typeface="Arial"/>
             </a:endParaRPr>
@@ -16241,7 +16855,7 @@
               </a:rPr>
               <a:t>.toUpperCase();</a:t>
             </a:r>
-            <a:endParaRPr sz="1542">
+            <a:endParaRPr sz="1542" dirty="0">
               <a:latin typeface="Arial"/>
               <a:cs typeface="Arial"/>
             </a:endParaRPr>
@@ -16255,7 +16869,7 @@
               </a:rPr>
               <a:t>}</a:t>
             </a:r>
-            <a:endParaRPr sz="1542">
+            <a:endParaRPr sz="1542" dirty="0">
               <a:latin typeface="Arial"/>
               <a:cs typeface="Arial"/>
             </a:endParaRPr>
@@ -16272,7 +16886,7 @@
               </a:rPr>
               <a:t>&lt;/script&gt;</a:t>
             </a:r>
-            <a:endParaRPr sz="1542">
+            <a:endParaRPr sz="1542" dirty="0">
               <a:latin typeface="Arial"/>
               <a:cs typeface="Arial"/>
             </a:endParaRPr>
@@ -16286,7 +16900,7 @@
               </a:rPr>
               <a:t>&lt;/head&gt;</a:t>
             </a:r>
-            <a:endParaRPr sz="1542">
+            <a:endParaRPr sz="1542" dirty="0">
               <a:latin typeface="Arial"/>
               <a:cs typeface="Arial"/>
             </a:endParaRPr>
@@ -16297,7 +16911,7 @@
                 <a:spcPts val="24"/>
               </a:spcBef>
             </a:pPr>
-            <a:endParaRPr sz="1587">
+            <a:endParaRPr sz="1587" dirty="0">
               <a:latin typeface="Times New Roman"/>
               <a:cs typeface="Times New Roman"/>
             </a:endParaRPr>
@@ -16311,7 +16925,7 @@
               </a:rPr>
               <a:t>&lt;body&gt;</a:t>
             </a:r>
-            <a:endParaRPr sz="1542">
+            <a:endParaRPr sz="1542" dirty="0">
               <a:latin typeface="Arial"/>
               <a:cs typeface="Arial"/>
             </a:endParaRPr>
@@ -16372,7 +16986,7 @@
               </a:rPr>
               <a:t>'&gt;</a:t>
             </a:r>
-            <a:endParaRPr sz="1542">
+            <a:endParaRPr sz="1542" dirty="0">
               <a:latin typeface="Arial"/>
               <a:cs typeface="Arial"/>
             </a:endParaRPr>
@@ -16478,7 +17092,7 @@
               </a:rPr>
               <a:t>/&gt;</a:t>
             </a:r>
-            <a:endParaRPr sz="1542">
+            <a:endParaRPr sz="1542" dirty="0">
               <a:latin typeface="Arial"/>
               <a:cs typeface="Arial"/>
             </a:endParaRPr>
@@ -16580,7 +17194,7 @@
               </a:rPr>
               <a:t>/&gt;</a:t>
             </a:r>
-            <a:endParaRPr sz="1542">
+            <a:endParaRPr sz="1542" dirty="0">
               <a:latin typeface="Arial"/>
               <a:cs typeface="Arial"/>
             </a:endParaRPr>
@@ -16714,7 +17328,7 @@
               </a:rPr>
               <a:t>/&gt;</a:t>
             </a:r>
-            <a:endParaRPr sz="1542">
+            <a:endParaRPr sz="1542" dirty="0">
               <a:latin typeface="Arial"/>
               <a:cs typeface="Arial"/>
             </a:endParaRPr>
@@ -16913,7 +17527,7 @@
               </a:rPr>
               <a:t>/&gt;</a:t>
             </a:r>
-            <a:endParaRPr sz="1542">
+            <a:endParaRPr sz="1542" dirty="0">
               <a:latin typeface="Arial"/>
               <a:cs typeface="Arial"/>
             </a:endParaRPr>
@@ -16930,7 +17544,7 @@
               </a:rPr>
               <a:t>&lt;/form&gt;</a:t>
             </a:r>
-            <a:endParaRPr sz="1542">
+            <a:endParaRPr sz="1542" dirty="0">
               <a:latin typeface="Arial"/>
               <a:cs typeface="Arial"/>
             </a:endParaRPr>
@@ -16944,7 +17558,7 @@
               </a:rPr>
               <a:t>&lt;/body&gt;</a:t>
             </a:r>
-            <a:endParaRPr sz="1542">
+            <a:endParaRPr sz="1542" dirty="0">
               <a:latin typeface="Arial"/>
               <a:cs typeface="Arial"/>
             </a:endParaRPr>
@@ -16958,7 +17572,7 @@
               </a:rPr>
               <a:t>&lt;/html&gt;</a:t>
             </a:r>
-            <a:endParaRPr sz="1542">
+            <a:endParaRPr sz="1542" dirty="0">
               <a:latin typeface="Arial"/>
               <a:cs typeface="Arial"/>
             </a:endParaRPr>
@@ -22619,7 +23233,7 @@
         <p:spPr>
           <a:xfrm>
             <a:off x="1877365" y="1469505"/>
-            <a:ext cx="9587804" cy="2290371"/>
+            <a:ext cx="9587804" cy="2826415"/>
           </a:xfrm>
           <a:prstGeom prst="rect">
             <a:avLst/>
@@ -23643,7 +24257,36 @@
                 <a:latin typeface="Arial"/>
                 <a:cs typeface="Arial"/>
               </a:rPr>
-              <a:t>n [2,4].</a:t>
+              <a:t>n [2,4]</a:t>
+            </a:r>
+            <a:endParaRPr lang="en-US" sz="2900" dirty="0">
+              <a:solidFill>
+                <a:srgbClr val="00664D"/>
+              </a:solidFill>
+              <a:latin typeface="Arial"/>
+              <a:cs typeface="Arial"/>
+            </a:endParaRPr>
+          </a:p>
+          <a:p>
+            <a:pPr marL="355600" marR="5080" indent="-342900">
+              <a:spcBef>
+                <a:spcPts val="680"/>
+              </a:spcBef>
+              <a:buFont typeface="Arial"/>
+              <a:buChar char="•"/>
+              <a:tabLst>
+                <a:tab pos="355600" algn="l"/>
+              </a:tabLst>
+            </a:pPr>
+            <a:r>
+              <a:rPr lang="en-US" sz="2900" dirty="0">
+                <a:solidFill>
+                  <a:srgbClr val="00664D"/>
+                </a:solidFill>
+                <a:latin typeface="Arial"/>
+                <a:cs typeface="Arial"/>
+              </a:rPr>
+              <a:t>(2,4]   (2,4)</a:t>
             </a:r>
             <a:endParaRPr sz="2900" dirty="0">
               <a:latin typeface="Arial"/>
@@ -24743,7 +25386,7 @@
             <a:avLst/>
           </a:prstGeom>
           <a:blipFill>
-            <a:blip r:embed="rId2" cstate="print"/>
+            <a:blip r:embed="rId3" cstate="print"/>
             <a:stretch>
               <a:fillRect/>
             </a:stretch>
